--- a/reunion 29.pptx
+++ b/reunion 29.pptx
@@ -1771,11 +1771,11 @@
 <file path=ppt/diagrams/data2.xml><?xml version="1.0" encoding="utf-8"?>
 <dgm:dataModel xmlns:dgm="http://schemas.openxmlformats.org/drawingml/2006/diagram" xmlns:a="http://schemas.openxmlformats.org/drawingml/2006/main">
   <dgm:ptLst>
-    <dgm:pt modelId="{C245A151-B27C-4893-A0BB-3FF6CAC5C32E}" type="doc">
+    <dgm:pt modelId="{E62239C7-9A71-4DBA-AE43-12C13669738F}" type="doc">
       <dgm:prSet loTypeId="urn:microsoft.com/office/officeart/2009/3/layout/SnapshotPictureList" loCatId="picture" qsTypeId="urn:microsoft.com/office/officeart/2005/8/quickstyle/simple1" qsCatId="simple" csTypeId="urn:microsoft.com/office/officeart/2005/8/colors/accent1_2" csCatId="accent1" phldr="1"/>
       <dgm:spPr/>
     </dgm:pt>
-    <dgm:pt modelId="{87451EC7-6F39-495F-953C-0BA223632E5F}">
+    <dgm:pt modelId="{65D908ED-D397-4324-B754-27096A2AD9E9}">
       <dgm:prSet phldrT="[Texte]"/>
       <dgm:spPr/>
       <dgm:t>
@@ -1789,7 +1789,7 @@
         </a:p>
       </dgm:t>
     </dgm:pt>
-    <dgm:pt modelId="{8C9E88DE-A407-496D-ABE1-1B89C6C33FA3}" type="parTrans" cxnId="{10B86353-6C05-4A54-821B-6CDBBFE28034}">
+    <dgm:pt modelId="{9324A18F-89C5-45FE-80CB-8CED08CC65FD}" type="parTrans" cxnId="{E2B3D5E3-5E28-48F3-A92B-9C1E7904D9CB}">
       <dgm:prSet/>
       <dgm:spPr/>
       <dgm:t>
@@ -1800,7 +1800,7 @@
         </a:p>
       </dgm:t>
     </dgm:pt>
-    <dgm:pt modelId="{B86827C5-CB62-4DEE-8C1C-B9C510A72263}" type="sibTrans" cxnId="{10B86353-6C05-4A54-821B-6CDBBFE28034}">
+    <dgm:pt modelId="{66EB110C-4B1D-4ED8-959B-CF0491E72DF6}" type="sibTrans" cxnId="{E2B3D5E3-5E28-48F3-A92B-9C1E7904D9CB}">
       <dgm:prSet/>
       <dgm:spPr/>
       <dgm:t>
@@ -1811,8 +1811,8 @@
         </a:p>
       </dgm:t>
     </dgm:pt>
-    <dgm:pt modelId="{D45D885C-77EC-4A26-84D0-B6ECCC499444}" type="pres">
-      <dgm:prSet presAssocID="{C245A151-B27C-4893-A0BB-3FF6CAC5C32E}" presName="Name0" presStyleCnt="0">
+    <dgm:pt modelId="{CE9CCD54-7EAB-49E6-94C3-4984C3BC21DB}" type="pres">
+      <dgm:prSet presAssocID="{E62239C7-9A71-4DBA-AE43-12C13669738F}" presName="Name0" presStyleCnt="0">
         <dgm:presLayoutVars>
           <dgm:chMax/>
           <dgm:chPref/>
@@ -1822,16 +1822,16 @@
       </dgm:prSet>
       <dgm:spPr/>
     </dgm:pt>
-    <dgm:pt modelId="{A1282D86-53D4-4623-98B7-92ECAE4286D5}" type="pres">
-      <dgm:prSet presAssocID="{87451EC7-6F39-495F-953C-0BA223632E5F}" presName="composite" presStyleCnt="0"/>
+    <dgm:pt modelId="{51A59487-B785-4D56-8A63-BCCF92867380}" type="pres">
+      <dgm:prSet presAssocID="{65D908ED-D397-4324-B754-27096A2AD9E9}" presName="composite" presStyleCnt="0"/>
       <dgm:spPr/>
     </dgm:pt>
-    <dgm:pt modelId="{4CA7E534-EC46-4AC7-B2D4-11292A2C9CBD}" type="pres">
-      <dgm:prSet presAssocID="{87451EC7-6F39-495F-953C-0BA223632E5F}" presName="ParentAccentShape" presStyleLbl="trBgShp" presStyleIdx="0" presStyleCnt="1"/>
+    <dgm:pt modelId="{A746138F-1710-4777-B958-21A81447A117}" type="pres">
+      <dgm:prSet presAssocID="{65D908ED-D397-4324-B754-27096A2AD9E9}" presName="ParentAccentShape" presStyleLbl="trBgShp" presStyleIdx="0" presStyleCnt="1"/>
       <dgm:spPr/>
     </dgm:pt>
-    <dgm:pt modelId="{376EE2EC-7455-4FC4-BC01-3E40F05AA409}" type="pres">
-      <dgm:prSet presAssocID="{87451EC7-6F39-495F-953C-0BA223632E5F}" presName="ParentText" presStyleLbl="revTx" presStyleIdx="0" presStyleCnt="2">
+    <dgm:pt modelId="{004FF2AA-52E9-435B-B052-E3C29757172A}" type="pres">
+      <dgm:prSet presAssocID="{65D908ED-D397-4324-B754-27096A2AD9E9}" presName="ParentText" presStyleLbl="revTx" presStyleIdx="0" presStyleCnt="2">
         <dgm:presLayoutVars>
           <dgm:chMax val="1"/>
           <dgm:chPref val="1"/>
@@ -1840,8 +1840,8 @@
       </dgm:prSet>
       <dgm:spPr/>
     </dgm:pt>
-    <dgm:pt modelId="{C118C25E-0120-4C24-BE88-864A38DEE31E}" type="pres">
-      <dgm:prSet presAssocID="{87451EC7-6F39-495F-953C-0BA223632E5F}" presName="ChildText" presStyleLbl="revTx" presStyleIdx="1" presStyleCnt="2">
+    <dgm:pt modelId="{30BCA9F5-B847-4934-9903-5B1CBB080421}" type="pres">
+      <dgm:prSet presAssocID="{65D908ED-D397-4324-B754-27096A2AD9E9}" presName="ChildText" presStyleLbl="revTx" presStyleIdx="1" presStyleCnt="2">
         <dgm:presLayoutVars>
           <dgm:chMax val="0"/>
           <dgm:chPref val="0"/>
@@ -1849,15 +1849,15 @@
       </dgm:prSet>
       <dgm:spPr/>
     </dgm:pt>
-    <dgm:pt modelId="{9096B12E-C8D9-4111-B45A-54B20B44A921}" type="pres">
-      <dgm:prSet presAssocID="{87451EC7-6F39-495F-953C-0BA223632E5F}" presName="ChildAccentShape" presStyleLbl="trBgShp" presStyleIdx="0" presStyleCnt="1"/>
+    <dgm:pt modelId="{27875F30-1767-4016-8382-AAED90A1C1DD}" type="pres">
+      <dgm:prSet presAssocID="{65D908ED-D397-4324-B754-27096A2AD9E9}" presName="ChildAccentShape" presStyleLbl="trBgShp" presStyleIdx="0" presStyleCnt="1"/>
       <dgm:spPr/>
     </dgm:pt>
-    <dgm:pt modelId="{5B9CC42D-B66E-4310-83F9-3BAB88EA4FDE}" type="pres">
-      <dgm:prSet presAssocID="{87451EC7-6F39-495F-953C-0BA223632E5F}" presName="Image" presStyleLbl="alignImgPlace1" presStyleIdx="0" presStyleCnt="1"/>
+    <dgm:pt modelId="{7F06D2C4-3399-4A6B-A514-CAA8C9DB45E1}" type="pres">
+      <dgm:prSet presAssocID="{65D908ED-D397-4324-B754-27096A2AD9E9}" presName="Image" presStyleLbl="alignImgPlace1" presStyleIdx="0" presStyleCnt="1"/>
       <dgm:spPr>
         <a:blipFill>
-          <a:blip xmlns:r="http://schemas.openxmlformats.org/officeDocument/2006/relationships" r:embed="rId1">
+          <a:blip xmlns:r="http://schemas.openxmlformats.org/officeDocument/2006/relationships" r:embed="rId1" cstate="print">
             <a:extLst>
               <a:ext uri="{28A0092B-C50C-407E-A947-70E740481C1C}">
                 <a14:useLocalDpi xmlns:a14="http://schemas.microsoft.com/office/drawing/2010/main" val="0"/>
@@ -1866,33 +1866,22 @@
           </a:blip>
           <a:srcRect/>
           <a:stretch>
-            <a:fillRect t="-4000" b="-4000"/>
+            <a:fillRect t="-21000" b="-21000"/>
           </a:stretch>
         </a:blipFill>
       </dgm:spPr>
-      <dgm:extLst>
-        <a:ext uri="{E40237B7-FDA0-4F09-8148-C483321AD2D9}">
-          <dgm14:cNvPr xmlns:dgm14="http://schemas.microsoft.com/office/drawing/2010/diagram" id="0" name="" descr="https://scontent.xx.fbcdn.net/v/t1.15752-0/p280x280/61145547_856571091368396_6560057649759518720_n.jpg?_nc_cat=110&amp;_nc_ad=z-m&amp;_nc_cid=0&amp;_nc_zor=9&amp;_nc_ht=scontent.xx&amp;oh=83e760aeac98a34a8bd6dc4685394130&amp;oe=5D9F0079">
-            <a:extLst>
-              <a:ext uri="{FF2B5EF4-FFF2-40B4-BE49-F238E27FC236}">
-                <a16:creationId xmlns:a16="http://schemas.microsoft.com/office/drawing/2014/main" id="{534A4653-16ED-4F0D-9FAE-5D90A1E48FB8}"/>
-              </a:ext>
-            </a:extLst>
-          </dgm14:cNvPr>
-        </a:ext>
-      </dgm:extLst>
     </dgm:pt>
   </dgm:ptLst>
   <dgm:cxnLst>
-    <dgm:cxn modelId="{ED29E70E-49A5-4F7F-B1E5-581BB8CD3C58}" type="presOf" srcId="{87451EC7-6F39-495F-953C-0BA223632E5F}" destId="{376EE2EC-7455-4FC4-BC01-3E40F05AA409}" srcOrd="0" destOrd="0" presId="urn:microsoft.com/office/officeart/2009/3/layout/SnapshotPictureList"/>
-    <dgm:cxn modelId="{550EB431-21FE-4C6A-80CB-BFEC62A69064}" type="presOf" srcId="{C245A151-B27C-4893-A0BB-3FF6CAC5C32E}" destId="{D45D885C-77EC-4A26-84D0-B6ECCC499444}" srcOrd="0" destOrd="0" presId="urn:microsoft.com/office/officeart/2009/3/layout/SnapshotPictureList"/>
-    <dgm:cxn modelId="{10B86353-6C05-4A54-821B-6CDBBFE28034}" srcId="{C245A151-B27C-4893-A0BB-3FF6CAC5C32E}" destId="{87451EC7-6F39-495F-953C-0BA223632E5F}" srcOrd="0" destOrd="0" parTransId="{8C9E88DE-A407-496D-ABE1-1B89C6C33FA3}" sibTransId="{B86827C5-CB62-4DEE-8C1C-B9C510A72263}"/>
-    <dgm:cxn modelId="{FDAFCACC-AA5E-4046-B23F-3F27CE8A00CE}" type="presParOf" srcId="{D45D885C-77EC-4A26-84D0-B6ECCC499444}" destId="{A1282D86-53D4-4623-98B7-92ECAE4286D5}" srcOrd="0" destOrd="0" presId="urn:microsoft.com/office/officeart/2009/3/layout/SnapshotPictureList"/>
-    <dgm:cxn modelId="{D813CE6F-F0E5-4B0A-ACDB-45F220D41E83}" type="presParOf" srcId="{A1282D86-53D4-4623-98B7-92ECAE4286D5}" destId="{4CA7E534-EC46-4AC7-B2D4-11292A2C9CBD}" srcOrd="0" destOrd="0" presId="urn:microsoft.com/office/officeart/2009/3/layout/SnapshotPictureList"/>
-    <dgm:cxn modelId="{64F59657-4B16-4FA4-8301-717D83574990}" type="presParOf" srcId="{A1282D86-53D4-4623-98B7-92ECAE4286D5}" destId="{376EE2EC-7455-4FC4-BC01-3E40F05AA409}" srcOrd="1" destOrd="0" presId="urn:microsoft.com/office/officeart/2009/3/layout/SnapshotPictureList"/>
-    <dgm:cxn modelId="{BE12B563-975B-4504-B5F0-7E69D81BCFCE}" type="presParOf" srcId="{A1282D86-53D4-4623-98B7-92ECAE4286D5}" destId="{C118C25E-0120-4C24-BE88-864A38DEE31E}" srcOrd="2" destOrd="0" presId="urn:microsoft.com/office/officeart/2009/3/layout/SnapshotPictureList"/>
-    <dgm:cxn modelId="{EF046D6D-C620-4639-968C-EF8D63A4801F}" type="presParOf" srcId="{A1282D86-53D4-4623-98B7-92ECAE4286D5}" destId="{9096B12E-C8D9-4111-B45A-54B20B44A921}" srcOrd="3" destOrd="0" presId="urn:microsoft.com/office/officeart/2009/3/layout/SnapshotPictureList"/>
-    <dgm:cxn modelId="{0E04378E-9B24-4AAC-834D-29D34B2E4E9F}" type="presParOf" srcId="{A1282D86-53D4-4623-98B7-92ECAE4286D5}" destId="{5B9CC42D-B66E-4310-83F9-3BAB88EA4FDE}" srcOrd="4" destOrd="0" presId="urn:microsoft.com/office/officeart/2009/3/layout/SnapshotPictureList"/>
+    <dgm:cxn modelId="{1E35DD3A-9967-46C7-909E-925396D91F23}" type="presOf" srcId="{65D908ED-D397-4324-B754-27096A2AD9E9}" destId="{004FF2AA-52E9-435B-B052-E3C29757172A}" srcOrd="0" destOrd="0" presId="urn:microsoft.com/office/officeart/2009/3/layout/SnapshotPictureList"/>
+    <dgm:cxn modelId="{A706E796-1CB2-4773-B704-841FF528C37C}" type="presOf" srcId="{E62239C7-9A71-4DBA-AE43-12C13669738F}" destId="{CE9CCD54-7EAB-49E6-94C3-4984C3BC21DB}" srcOrd="0" destOrd="0" presId="urn:microsoft.com/office/officeart/2009/3/layout/SnapshotPictureList"/>
+    <dgm:cxn modelId="{E2B3D5E3-5E28-48F3-A92B-9C1E7904D9CB}" srcId="{E62239C7-9A71-4DBA-AE43-12C13669738F}" destId="{65D908ED-D397-4324-B754-27096A2AD9E9}" srcOrd="0" destOrd="0" parTransId="{9324A18F-89C5-45FE-80CB-8CED08CC65FD}" sibTransId="{66EB110C-4B1D-4ED8-959B-CF0491E72DF6}"/>
+    <dgm:cxn modelId="{ABDB6562-2432-4C3F-A5D6-64A89402190F}" type="presParOf" srcId="{CE9CCD54-7EAB-49E6-94C3-4984C3BC21DB}" destId="{51A59487-B785-4D56-8A63-BCCF92867380}" srcOrd="0" destOrd="0" presId="urn:microsoft.com/office/officeart/2009/3/layout/SnapshotPictureList"/>
+    <dgm:cxn modelId="{DD5A0DA3-14E0-4A70-A914-520003544B50}" type="presParOf" srcId="{51A59487-B785-4D56-8A63-BCCF92867380}" destId="{A746138F-1710-4777-B958-21A81447A117}" srcOrd="0" destOrd="0" presId="urn:microsoft.com/office/officeart/2009/3/layout/SnapshotPictureList"/>
+    <dgm:cxn modelId="{488C8792-371D-4808-BB6D-EB6F7CCE5B49}" type="presParOf" srcId="{51A59487-B785-4D56-8A63-BCCF92867380}" destId="{004FF2AA-52E9-435B-B052-E3C29757172A}" srcOrd="1" destOrd="0" presId="urn:microsoft.com/office/officeart/2009/3/layout/SnapshotPictureList"/>
+    <dgm:cxn modelId="{AD771692-0612-4C98-A09E-582B5FE9CC59}" type="presParOf" srcId="{51A59487-B785-4D56-8A63-BCCF92867380}" destId="{30BCA9F5-B847-4934-9903-5B1CBB080421}" srcOrd="2" destOrd="0" presId="urn:microsoft.com/office/officeart/2009/3/layout/SnapshotPictureList"/>
+    <dgm:cxn modelId="{0C4A8EB0-AAC3-4746-B7D8-E2665D72A645}" type="presParOf" srcId="{51A59487-B785-4D56-8A63-BCCF92867380}" destId="{27875F30-1767-4016-8382-AAED90A1C1DD}" srcOrd="3" destOrd="0" presId="urn:microsoft.com/office/officeart/2009/3/layout/SnapshotPictureList"/>
+    <dgm:cxn modelId="{E060CF6D-AE92-4CA4-9871-52053138A522}" type="presParOf" srcId="{51A59487-B785-4D56-8A63-BCCF92867380}" destId="{7F06D2C4-3399-4A6B-A514-CAA8C9DB45E1}" srcOrd="4" destOrd="0" presId="urn:microsoft.com/office/officeart/2009/3/layout/SnapshotPictureList"/>
   </dgm:cxnLst>
   <dgm:bg/>
   <dgm:whole/>
@@ -2112,15 +2101,15 @@
       <dsp:cNvGrpSpPr/>
     </dsp:nvGrpSpPr>
     <dsp:grpSpPr/>
-    <dsp:sp modelId="{4CA7E534-EC46-4AC7-B2D4-11292A2C9CBD}">
+    <dsp:sp modelId="{A746138F-1710-4777-B958-21A81447A117}">
       <dsp:nvSpPr>
         <dsp:cNvPr id="0" name=""/>
         <dsp:cNvSpPr/>
       </dsp:nvSpPr>
       <dsp:spPr>
         <a:xfrm>
-          <a:off x="133976" y="997893"/>
-          <a:ext cx="3484521" cy="2479624"/>
+          <a:off x="120837" y="1554369"/>
+          <a:ext cx="3142796" cy="2236448"/>
         </a:xfrm>
         <a:prstGeom prst="frame">
           <a:avLst>
@@ -2155,21 +2144,21 @@
         <a:fontRef idx="minor"/>
       </dsp:style>
     </dsp:sp>
-    <dsp:sp modelId="{5B9CC42D-B66E-4310-83F9-3BAB88EA4FDE}">
+    <dsp:sp modelId="{7F06D2C4-3399-4A6B-A514-CAA8C9DB45E1}">
       <dsp:nvSpPr>
         <dsp:cNvPr id="0" name=""/>
         <dsp:cNvSpPr/>
       </dsp:nvSpPr>
       <dsp:spPr>
         <a:xfrm>
-          <a:off x="0" y="700782"/>
-          <a:ext cx="3350544" cy="2345508"/>
+          <a:off x="0" y="1286396"/>
+          <a:ext cx="3021958" cy="2115485"/>
         </a:xfrm>
         <a:prstGeom prst="rect">
           <a:avLst/>
         </a:prstGeom>
         <a:blipFill>
-          <a:blip xmlns:r="http://schemas.openxmlformats.org/officeDocument/2006/relationships" r:embed="rId1">
+          <a:blip xmlns:r="http://schemas.openxmlformats.org/officeDocument/2006/relationships" r:embed="rId1" cstate="print">
             <a:extLst>
               <a:ext uri="{28A0092B-C50C-407E-A947-70E740481C1C}">
                 <a14:useLocalDpi xmlns:a14="http://schemas.microsoft.com/office/drawing/2010/main" val="0"/>
@@ -2178,7 +2167,7 @@
           </a:blip>
           <a:srcRect/>
           <a:stretch>
-            <a:fillRect t="-4000" b="-4000"/>
+            <a:fillRect t="-21000" b="-21000"/>
           </a:stretch>
         </a:blipFill>
         <a:ln w="12700" cap="flat" cmpd="sng" algn="ctr">
@@ -2208,15 +2197,15 @@
         <a:fontRef idx="minor"/>
       </dsp:style>
     </dsp:sp>
-    <dsp:sp modelId="{376EE2EC-7455-4FC4-BC01-3E40F05AA409}">
+    <dsp:sp modelId="{004FF2AA-52E9-435B-B052-E3C29757172A}">
       <dsp:nvSpPr>
         <dsp:cNvPr id="0" name=""/>
         <dsp:cNvSpPr/>
       </dsp:nvSpPr>
       <dsp:spPr>
         <a:xfrm>
-          <a:off x="270205" y="3047123"/>
-          <a:ext cx="3214316" cy="294333"/>
+          <a:off x="243706" y="3402633"/>
+          <a:ext cx="2899089" cy="265468"/>
         </a:xfrm>
         <a:prstGeom prst="rect">
           <a:avLst/>
@@ -2240,12 +2229,12 @@
         <a:fontRef idx="minor"/>
       </dsp:style>
       <dsp:txBody>
-        <a:bodyPr spcFirstLastPara="0" vert="horz" wrap="square" lIns="142240" tIns="53340" rIns="142240" bIns="53340" numCol="1" spcCol="1270" anchor="ctr" anchorCtr="0">
+        <a:bodyPr spcFirstLastPara="0" vert="horz" wrap="square" lIns="121920" tIns="45720" rIns="121920" bIns="45720" numCol="1" spcCol="1270" anchor="ctr" anchorCtr="0">
           <a:noAutofit/>
         </a:bodyPr>
         <a:lstStyle/>
         <a:p>
-          <a:pPr marL="0" lvl="0" indent="0" algn="l" defTabSz="622300">
+          <a:pPr marL="0" lvl="0" indent="0" algn="l" defTabSz="533400">
             <a:lnSpc>
               <a:spcPct val="90000"/>
             </a:lnSpc>
@@ -2258,25 +2247,25 @@
             <a:buNone/>
           </a:pPr>
           <a:r>
-            <a:rPr lang="en-US" sz="1400" kern="1200" dirty="0"/>
+            <a:rPr lang="en-US" sz="1200" kern="1200" dirty="0"/>
             <a:t>Clément Truillet – L2 CUPGE</a:t>
           </a:r>
         </a:p>
       </dsp:txBody>
       <dsp:txXfrm>
-        <a:off x="270205" y="3047123"/>
-        <a:ext cx="3214316" cy="294333"/>
+        <a:off x="243706" y="3402633"/>
+        <a:ext cx="2899089" cy="265468"/>
       </dsp:txXfrm>
     </dsp:sp>
-    <dsp:sp modelId="{C118C25E-0120-4C24-BE88-864A38DEE31E}">
+    <dsp:sp modelId="{30BCA9F5-B847-4934-9903-5B1CBB080421}">
       <dsp:nvSpPr>
         <dsp:cNvPr id="0" name=""/>
         <dsp:cNvSpPr/>
       </dsp:nvSpPr>
       <dsp:spPr>
         <a:xfrm>
-          <a:off x="3760355" y="997893"/>
-          <a:ext cx="1593084" cy="2479624"/>
+          <a:off x="3391579" y="1554369"/>
+          <a:ext cx="1436851" cy="2236448"/>
         </a:xfrm>
         <a:prstGeom prst="rect">
           <a:avLst/>
@@ -10522,13 +10511,13 @@
   <p:clrMapOvr>
     <a:masterClrMapping/>
   </p:clrMapOvr>
-  <mc:AlternateContent xmlns:mc="http://schemas.openxmlformats.org/markup-compatibility/2006">
-    <mc:Choice xmlns:p14="http://schemas.microsoft.com/office/powerpoint/2010/main" Requires="p14">
+  <mc:AlternateContent xmlns:mc="http://schemas.openxmlformats.org/markup-compatibility/2006" xmlns:p14="http://schemas.microsoft.com/office/powerpoint/2010/main">
+    <mc:Choice Requires="p14">
       <p:transition spd="med" p14:dur="700">
         <p:fade/>
       </p:transition>
     </mc:Choice>
-    <mc:Fallback>
+    <mc:Fallback xmlns="">
       <p:transition spd="med">
         <p:fade/>
       </p:transition>
@@ -10610,12 +10599,57 @@
           </a:graphicData>
         </a:graphic>
       </p:graphicFrame>
+      <p:sp>
+        <p:nvSpPr>
+          <p:cNvPr id="4" name="AutoShape 2" descr="Affichage de IMG_20190524_171421_540.jpg en cours...">
+            <a:extLst>
+              <a:ext uri="{FF2B5EF4-FFF2-40B4-BE49-F238E27FC236}">
+                <a16:creationId xmlns:a16="http://schemas.microsoft.com/office/drawing/2014/main" id="{A844E512-0EC5-4E23-9CEB-DF714752FC2F}"/>
+              </a:ext>
+            </a:extLst>
+          </p:cNvPr>
+          <p:cNvSpPr>
+            <a:spLocks noChangeAspect="1" noChangeArrowheads="1"/>
+          </p:cNvSpPr>
+          <p:nvPr/>
+        </p:nvSpPr>
+        <p:spPr bwMode="auto">
+          <a:xfrm>
+            <a:off x="5943600" y="3276600"/>
+            <a:ext cx="304800" cy="304800"/>
+          </a:xfrm>
+          <a:prstGeom prst="rect">
+            <a:avLst/>
+          </a:prstGeom>
+          <a:noFill/>
+          <a:extLst>
+            <a:ext uri="{909E8E84-426E-40DD-AFC4-6F175D3DCCD1}">
+              <a14:hiddenFill xmlns:a14="http://schemas.microsoft.com/office/drawing/2010/main">
+                <a:solidFill>
+                  <a:srgbClr val="FFFFFF"/>
+                </a:solidFill>
+              </a14:hiddenFill>
+            </a:ext>
+          </a:extLst>
+        </p:spPr>
+        <p:txBody>
+          <a:bodyPr vert="horz" wrap="square" lIns="91440" tIns="45720" rIns="91440" bIns="45720" numCol="1" anchor="t" anchorCtr="0" compatLnSpc="1">
+            <a:prstTxWarp prst="textNoShape">
+              <a:avLst/>
+            </a:prstTxWarp>
+          </a:bodyPr>
+          <a:lstStyle/>
+          <a:p>
+            <a:endParaRPr lang="en-US"/>
+          </a:p>
+        </p:txBody>
+      </p:sp>
       <p:graphicFrame>
         <p:nvGraphicFramePr>
-          <p:cNvPr id="14" name="Diagramme 13">
+          <p:cNvPr id="8" name="Diagramme 7">
             <a:extLst>
               <a:ext uri="{FF2B5EF4-FFF2-40B4-BE49-F238E27FC236}">
-                <a16:creationId xmlns:a16="http://schemas.microsoft.com/office/drawing/2014/main" id="{F752636E-201A-4FA4-BB9A-45904FB7A67E}"/>
+                <a16:creationId xmlns:a16="http://schemas.microsoft.com/office/drawing/2014/main" id="{C23EC60F-0257-472C-8E0D-7AE47C46E47E}"/>
               </a:ext>
             </a:extLst>
           </p:cNvPr>
@@ -10623,14 +10657,14 @@
           <p:nvPr>
             <p:extLst>
               <p:ext uri="{D42A27DB-BD31-4B8C-83A1-F6EECF244321}">
-                <p14:modId xmlns:p14="http://schemas.microsoft.com/office/powerpoint/2010/main" val="454442514"/>
+                <p14:modId xmlns:p14="http://schemas.microsoft.com/office/powerpoint/2010/main" val="2574684881"/>
               </p:ext>
             </p:extLst>
           </p:nvPr>
         </p:nvGraphicFramePr>
         <p:xfrm>
-          <a:off x="6421438" y="1981200"/>
-          <a:ext cx="5629275" cy="4178300"/>
+          <a:off x="6248400" y="1009649"/>
+          <a:ext cx="5077215" cy="5077215"/>
         </p:xfrm>
         <a:graphic>
           <a:graphicData uri="http://schemas.openxmlformats.org/drawingml/2006/diagram">
